--- a/Projet Smartpatate.pptx
+++ b/Projet Smartpatate.pptx
@@ -213,7 +213,7 @@
           <a:p>
             <a:fld id="{2E44300C-F232-4537-A90A-7DD25BDBC463}" type="datetimeFigureOut">
               <a:rPr lang="en-PH" smtClean="0"/>
-              <a:t>28/11/2016</a:t>
+              <a:t>29/11/2016</a:t>
             </a:fld>
             <a:endParaRPr lang="en-PH"/>
           </a:p>
@@ -697,7 +697,7 @@
             <a:fld id="{1D8BD707-D9CF-40AE-B4C6-C98DA3205C09}" type="datetimeFigureOut">
               <a:rPr lang="en-US" smtClean="0"/>
               <a:pPr/>
-              <a:t>11/28/2016</a:t>
+              <a:t>11/29/2016</a:t>
             </a:fld>
             <a:endParaRPr lang="en-US"/>
           </a:p>
@@ -862,7 +862,7 @@
             <a:fld id="{1D8BD707-D9CF-40AE-B4C6-C98DA3205C09}" type="datetimeFigureOut">
               <a:rPr lang="en-US" smtClean="0"/>
               <a:pPr/>
-              <a:t>11/28/2016</a:t>
+              <a:t>11/29/2016</a:t>
             </a:fld>
             <a:endParaRPr lang="en-US"/>
           </a:p>
@@ -1049,7 +1049,7 @@
             <a:fld id="{1D8BD707-D9CF-40AE-B4C6-C98DA3205C09}" type="datetimeFigureOut">
               <a:rPr lang="en-US" smtClean="0"/>
               <a:pPr/>
-              <a:t>11/28/2016</a:t>
+              <a:t>11/29/2016</a:t>
             </a:fld>
             <a:endParaRPr lang="en-US"/>
           </a:p>
@@ -1214,7 +1214,7 @@
             <a:fld id="{1D8BD707-D9CF-40AE-B4C6-C98DA3205C09}" type="datetimeFigureOut">
               <a:rPr lang="en-US" smtClean="0"/>
               <a:pPr/>
-              <a:t>11/28/2016</a:t>
+              <a:t>11/29/2016</a:t>
             </a:fld>
             <a:endParaRPr lang="en-US"/>
           </a:p>
@@ -1465,7 +1465,7 @@
             <a:fld id="{1D8BD707-D9CF-40AE-B4C6-C98DA3205C09}" type="datetimeFigureOut">
               <a:rPr lang="en-US" smtClean="0"/>
               <a:pPr/>
-              <a:t>11/28/2016</a:t>
+              <a:t>11/29/2016</a:t>
             </a:fld>
             <a:endParaRPr lang="en-US"/>
           </a:p>
@@ -1747,7 +1747,7 @@
             <a:fld id="{1D8BD707-D9CF-40AE-B4C6-C98DA3205C09}" type="datetimeFigureOut">
               <a:rPr lang="en-US" smtClean="0"/>
               <a:pPr/>
-              <a:t>11/28/2016</a:t>
+              <a:t>11/29/2016</a:t>
             </a:fld>
             <a:endParaRPr lang="en-US"/>
           </a:p>
@@ -2177,7 +2177,7 @@
             <a:fld id="{1D8BD707-D9CF-40AE-B4C6-C98DA3205C09}" type="datetimeFigureOut">
               <a:rPr lang="en-US" smtClean="0"/>
               <a:pPr/>
-              <a:t>11/28/2016</a:t>
+              <a:t>11/29/2016</a:t>
             </a:fld>
             <a:endParaRPr lang="en-US"/>
           </a:p>
@@ -2291,7 +2291,7 @@
             <a:fld id="{1D8BD707-D9CF-40AE-B4C6-C98DA3205C09}" type="datetimeFigureOut">
               <a:rPr lang="en-US" smtClean="0"/>
               <a:pPr/>
-              <a:t>11/28/2016</a:t>
+              <a:t>11/29/2016</a:t>
             </a:fld>
             <a:endParaRPr lang="en-US"/>
           </a:p>
@@ -2383,7 +2383,7 @@
             <a:fld id="{1D8BD707-D9CF-40AE-B4C6-C98DA3205C09}" type="datetimeFigureOut">
               <a:rPr lang="en-US" smtClean="0"/>
               <a:pPr/>
-              <a:t>11/28/2016</a:t>
+              <a:t>11/29/2016</a:t>
             </a:fld>
             <a:endParaRPr lang="en-US"/>
           </a:p>
@@ -2663,7 +2663,7 @@
             <a:fld id="{1D8BD707-D9CF-40AE-B4C6-C98DA3205C09}" type="datetimeFigureOut">
               <a:rPr lang="en-US" smtClean="0"/>
               <a:pPr/>
-              <a:t>11/28/2016</a:t>
+              <a:t>11/29/2016</a:t>
             </a:fld>
             <a:endParaRPr lang="en-US"/>
           </a:p>
@@ -2923,7 +2923,7 @@
             <a:fld id="{1D8BD707-D9CF-40AE-B4C6-C98DA3205C09}" type="datetimeFigureOut">
               <a:rPr lang="en-US" smtClean="0"/>
               <a:pPr/>
-              <a:t>11/28/2016</a:t>
+              <a:t>11/29/2016</a:t>
             </a:fld>
             <a:endParaRPr lang="en-US"/>
           </a:p>
@@ -3141,7 +3141,7 @@
             <a:fld id="{1D8BD707-D9CF-40AE-B4C6-C98DA3205C09}" type="datetimeFigureOut">
               <a:rPr lang="en-US" smtClean="0"/>
               <a:pPr/>
-              <a:t>11/28/2016</a:t>
+              <a:t>11/29/2016</a:t>
             </a:fld>
             <a:endParaRPr lang="en-US" dirty="0"/>
           </a:p>
@@ -6231,30 +6231,14 @@
           </a:p>
           <a:p>
             <a:r>
-              <a:rPr lang="fr-FR" dirty="0">
+              <a:rPr lang="fr-FR">
                 <a:latin typeface="+mn-lt"/>
               </a:rPr>
-              <a:t>Des </a:t>
-            </a:r>
-            <a:r>
-              <a:rPr lang="fr-FR" dirty="0">
-                <a:effectLst>
-                  <a:outerShdw blurRad="38100" dist="38100" dir="2700000" algn="tl">
-                    <a:srgbClr val="000000">
-                      <a:alpha val="43137"/>
-                    </a:srgbClr>
-                  </a:outerShdw>
-                </a:effectLst>
-                <a:latin typeface="+mn-lt"/>
-              </a:rPr>
-              <a:t>points négatifs </a:t>
-            </a:r>
-            <a:r>
-              <a:rPr lang="fr-FR" dirty="0">
-                <a:latin typeface="+mn-lt"/>
-              </a:rPr>
-              <a:t>:</a:t>
-            </a:r>
+              <a:t>Des difficultés :</a:t>
+            </a:r>
+            <a:endParaRPr lang="fr-FR" dirty="0">
+              <a:latin typeface="+mn-lt"/>
+            </a:endParaRPr>
           </a:p>
           <a:p>
             <a:pPr lvl="1"/>
@@ -6266,13 +6250,12 @@
             </a:r>
           </a:p>
           <a:p>
-            <a:pPr lvl="1"/>
-            <a:r>
-              <a:rPr lang="fr-FR" dirty="0">
-                <a:latin typeface="+mn-lt"/>
-              </a:rPr>
-              <a:t>Difficultés à trouver le matériel nécessaire </a:t>
-            </a:r>
+            <a:pPr marL="457200" lvl="1" indent="0">
+              <a:buNone/>
+            </a:pPr>
+            <a:endParaRPr lang="fr-FR" dirty="0">
+              <a:latin typeface="+mn-lt"/>
+            </a:endParaRPr>
           </a:p>
         </p:txBody>
       </p:sp>
